--- a/6020_Graph_2/D2D/W01/Week_01/Course_Plan_INFO-6020-24W.pptx
+++ b/6020_Graph_2/D2D/W01/Week_01/Course_Plan_INFO-6020-24W.pptx
@@ -223,7 +223,7 @@
             <a:fld id="{C796373C-ADE7-4794-A5C6-CF8090C1CBE1}" type="datetimeFigureOut">
               <a:rPr lang="en-CA" smtClean="0"/>
               <a:pPr/>
-              <a:t>2024-01-17</a:t>
+              <a:t>2024-01-23</a:t>
             </a:fld>
             <a:endParaRPr lang="en-CA"/>
           </a:p>
@@ -734,7 +734,7 @@
             <a:fld id="{1D8BD707-D9CF-40AE-B4C6-C98DA3205C09}" type="datetimeFigureOut">
               <a:rPr lang="en-US" smtClean="0"/>
               <a:pPr/>
-              <a:t>1/17/2024</a:t>
+              <a:t>1/23/2024</a:t>
             </a:fld>
             <a:endParaRPr lang="en-US"/>
           </a:p>
@@ -956,7 +956,7 @@
             <a:fld id="{1D8BD707-D9CF-40AE-B4C6-C98DA3205C09}" type="datetimeFigureOut">
               <a:rPr lang="en-US" smtClean="0"/>
               <a:pPr/>
-              <a:t>1/17/2024</a:t>
+              <a:t>1/23/2024</a:t>
             </a:fld>
             <a:endParaRPr lang="en-US"/>
           </a:p>
@@ -1229,7 +1229,7 @@
             <a:fld id="{1D8BD707-D9CF-40AE-B4C6-C98DA3205C09}" type="datetimeFigureOut">
               <a:rPr lang="en-US" smtClean="0"/>
               <a:pPr/>
-              <a:t>1/17/2024</a:t>
+              <a:t>1/23/2024</a:t>
             </a:fld>
             <a:endParaRPr lang="en-US"/>
           </a:p>
@@ -1405,7 +1405,7 @@
             <a:fld id="{409CD64F-A5A1-4F21-A75E-AF65C33CA0D3}" type="datetimeFigureOut">
               <a:rPr lang="en-CA" smtClean="0"/>
               <a:pPr/>
-              <a:t>2024-01-17</a:t>
+              <a:t>2024-01-23</a:t>
             </a:fld>
             <a:endParaRPr lang="en-CA"/>
           </a:p>
@@ -1760,7 +1760,7 @@
             <a:fld id="{1D8BD707-D9CF-40AE-B4C6-C98DA3205C09}" type="datetimeFigureOut">
               <a:rPr lang="en-US" smtClean="0"/>
               <a:pPr/>
-              <a:t>1/17/2024</a:t>
+              <a:t>1/23/2024</a:t>
             </a:fld>
             <a:endParaRPr lang="en-US"/>
           </a:p>
@@ -2046,7 +2046,7 @@
             <a:fld id="{1D8BD707-D9CF-40AE-B4C6-C98DA3205C09}" type="datetimeFigureOut">
               <a:rPr lang="en-US" smtClean="0"/>
               <a:pPr/>
-              <a:t>1/17/2024</a:t>
+              <a:t>1/23/2024</a:t>
             </a:fld>
             <a:endParaRPr lang="en-US"/>
           </a:p>
@@ -2469,7 +2469,7 @@
             <a:fld id="{1D8BD707-D9CF-40AE-B4C6-C98DA3205C09}" type="datetimeFigureOut">
               <a:rPr lang="en-US" smtClean="0"/>
               <a:pPr/>
-              <a:t>1/17/2024</a:t>
+              <a:t>1/23/2024</a:t>
             </a:fld>
             <a:endParaRPr lang="en-US"/>
           </a:p>
@@ -2583,7 +2583,7 @@
             <a:fld id="{1D8BD707-D9CF-40AE-B4C6-C98DA3205C09}" type="datetimeFigureOut">
               <a:rPr lang="en-US" smtClean="0"/>
               <a:pPr/>
-              <a:t>1/17/2024</a:t>
+              <a:t>1/23/2024</a:t>
             </a:fld>
             <a:endParaRPr lang="en-US"/>
           </a:p>
@@ -2675,7 +2675,7 @@
             <a:fld id="{1D8BD707-D9CF-40AE-B4C6-C98DA3205C09}" type="datetimeFigureOut">
               <a:rPr lang="en-US" smtClean="0"/>
               <a:pPr/>
-              <a:t>1/17/2024</a:t>
+              <a:t>1/23/2024</a:t>
             </a:fld>
             <a:endParaRPr lang="en-US"/>
           </a:p>
@@ -2954,7 +2954,7 @@
             <a:fld id="{1D8BD707-D9CF-40AE-B4C6-C98DA3205C09}" type="datetimeFigureOut">
               <a:rPr lang="en-US" smtClean="0"/>
               <a:pPr/>
-              <a:t>1/17/2024</a:t>
+              <a:t>1/23/2024</a:t>
             </a:fld>
             <a:endParaRPr lang="en-US"/>
           </a:p>
@@ -3317,7 +3317,7 @@
             <a:fld id="{1D8BD707-D9CF-40AE-B4C6-C98DA3205C09}" type="datetimeFigureOut">
               <a:rPr lang="en-US" smtClean="0"/>
               <a:pPr/>
-              <a:t>1/17/2024</a:t>
+              <a:t>1/23/2024</a:t>
             </a:fld>
             <a:endParaRPr lang="en-US"/>
           </a:p>
@@ -3742,7 +3742,7 @@
             <a:fld id="{1D8BD707-D9CF-40AE-B4C6-C98DA3205C09}" type="datetimeFigureOut">
               <a:rPr lang="en-US" smtClean="0"/>
               <a:pPr/>
-              <a:t>1/17/2024</a:t>
+              <a:t>1/23/2024</a:t>
             </a:fld>
             <a:endParaRPr lang="en-US"/>
           </a:p>
@@ -4237,7 +4237,7 @@
         </p:blipFill>
         <p:spPr>
           <a:xfrm>
-            <a:off x="118486" y="1228476"/>
+            <a:off x="118486" y="1262678"/>
             <a:ext cx="8907028" cy="3225064"/>
           </a:xfrm>
           <a:prstGeom prst="rect">
